--- a/Presentations/5_Prism.pptx
+++ b/Presentations/5_Prism.pptx
@@ -776,7 +776,7 @@
           <a:p>
             <a:fld id="{0EC8CD9C-38D6-42DC-8933-922135ECAA67}" type="datetimeFigureOut">
               <a:rPr lang="da-DK" smtClean="0"/>
-              <a:t>15-08-2020</a:t>
+              <a:t>17-08-2020</a:t>
             </a:fld>
             <a:endParaRPr lang="da-DK"/>
           </a:p>
@@ -974,7 +974,7 @@
           <a:p>
             <a:fld id="{0EC8CD9C-38D6-42DC-8933-922135ECAA67}" type="datetimeFigureOut">
               <a:rPr lang="da-DK" smtClean="0"/>
-              <a:t>15-08-2020</a:t>
+              <a:t>17-08-2020</a:t>
             </a:fld>
             <a:endParaRPr lang="da-DK"/>
           </a:p>
@@ -1182,7 +1182,7 @@
           <a:p>
             <a:fld id="{0EC8CD9C-38D6-42DC-8933-922135ECAA67}" type="datetimeFigureOut">
               <a:rPr lang="da-DK" smtClean="0"/>
-              <a:t>15-08-2020</a:t>
+              <a:t>17-08-2020</a:t>
             </a:fld>
             <a:endParaRPr lang="da-DK"/>
           </a:p>
@@ -1380,7 +1380,7 @@
           <a:p>
             <a:fld id="{0EC8CD9C-38D6-42DC-8933-922135ECAA67}" type="datetimeFigureOut">
               <a:rPr lang="da-DK" smtClean="0"/>
-              <a:t>15-08-2020</a:t>
+              <a:t>17-08-2020</a:t>
             </a:fld>
             <a:endParaRPr lang="da-DK"/>
           </a:p>
@@ -1655,7 +1655,7 @@
           <a:p>
             <a:fld id="{0EC8CD9C-38D6-42DC-8933-922135ECAA67}" type="datetimeFigureOut">
               <a:rPr lang="da-DK" smtClean="0"/>
-              <a:t>15-08-2020</a:t>
+              <a:t>17-08-2020</a:t>
             </a:fld>
             <a:endParaRPr lang="da-DK"/>
           </a:p>
@@ -1920,7 +1920,7 @@
           <a:p>
             <a:fld id="{0EC8CD9C-38D6-42DC-8933-922135ECAA67}" type="datetimeFigureOut">
               <a:rPr lang="da-DK" smtClean="0"/>
-              <a:t>15-08-2020</a:t>
+              <a:t>17-08-2020</a:t>
             </a:fld>
             <a:endParaRPr lang="da-DK"/>
           </a:p>
@@ -2332,7 +2332,7 @@
           <a:p>
             <a:fld id="{0EC8CD9C-38D6-42DC-8933-922135ECAA67}" type="datetimeFigureOut">
               <a:rPr lang="da-DK" smtClean="0"/>
-              <a:t>15-08-2020</a:t>
+              <a:t>17-08-2020</a:t>
             </a:fld>
             <a:endParaRPr lang="da-DK"/>
           </a:p>
@@ -2473,7 +2473,7 @@
           <a:p>
             <a:fld id="{0EC8CD9C-38D6-42DC-8933-922135ECAA67}" type="datetimeFigureOut">
               <a:rPr lang="da-DK" smtClean="0"/>
-              <a:t>15-08-2020</a:t>
+              <a:t>17-08-2020</a:t>
             </a:fld>
             <a:endParaRPr lang="da-DK"/>
           </a:p>
@@ -2586,7 +2586,7 @@
           <a:p>
             <a:fld id="{0EC8CD9C-38D6-42DC-8933-922135ECAA67}" type="datetimeFigureOut">
               <a:rPr lang="da-DK" smtClean="0"/>
-              <a:t>15-08-2020</a:t>
+              <a:t>17-08-2020</a:t>
             </a:fld>
             <a:endParaRPr lang="da-DK"/>
           </a:p>
@@ -2897,7 +2897,7 @@
           <a:p>
             <a:fld id="{0EC8CD9C-38D6-42DC-8933-922135ECAA67}" type="datetimeFigureOut">
               <a:rPr lang="da-DK" smtClean="0"/>
-              <a:t>15-08-2020</a:t>
+              <a:t>17-08-2020</a:t>
             </a:fld>
             <a:endParaRPr lang="da-DK"/>
           </a:p>
@@ -3185,7 +3185,7 @@
           <a:p>
             <a:fld id="{0EC8CD9C-38D6-42DC-8933-922135ECAA67}" type="datetimeFigureOut">
               <a:rPr lang="da-DK" smtClean="0"/>
-              <a:t>15-08-2020</a:t>
+              <a:t>17-08-2020</a:t>
             </a:fld>
             <a:endParaRPr lang="da-DK"/>
           </a:p>
@@ -3426,7 +3426,7 @@
           <a:p>
             <a:fld id="{0EC8CD9C-38D6-42DC-8933-922135ECAA67}" type="datetimeFigureOut">
               <a:rPr lang="da-DK" smtClean="0"/>
-              <a:t>15-08-2020</a:t>
+              <a:t>17-08-2020</a:t>
             </a:fld>
             <a:endParaRPr lang="da-DK"/>
           </a:p>
@@ -6527,7 +6527,19 @@
           <a:p>
             <a:r>
               <a:rPr lang="da-DK" sz="2400" dirty="0"/>
-              <a:t>Giver ligesom komponentbaseret programudvikling (CBD) mulighed for at flere udviklings grupper kan arbejde på samme projekt</a:t>
+              <a:t>Giver komponentbaseret programudvikling (CBD) mulighed for at flere udviklingsgrupper (</a:t>
+            </a:r>
+            <a:r>
+              <a:rPr lang="da-DK" sz="2400" dirty="0" err="1"/>
+              <a:t>dev</a:t>
+            </a:r>
+            <a:r>
+              <a:rPr lang="da-DK" sz="2400"/>
+              <a:t> teams) </a:t>
+            </a:r>
+            <a:r>
+              <a:rPr lang="da-DK" sz="2400" dirty="0"/>
+              <a:t>kan arbejde på samme projekt</a:t>
             </a:r>
           </a:p>
           <a:p>

--- a/Presentations/5_Prism.pptx
+++ b/Presentations/5_Prism.pptx
@@ -776,7 +776,7 @@
           <a:p>
             <a:fld id="{0EC8CD9C-38D6-42DC-8933-922135ECAA67}" type="datetimeFigureOut">
               <a:rPr lang="da-DK" smtClean="0"/>
-              <a:t>17-08-2020</a:t>
+              <a:t>18-08-2020</a:t>
             </a:fld>
             <a:endParaRPr lang="da-DK"/>
           </a:p>
@@ -974,7 +974,7 @@
           <a:p>
             <a:fld id="{0EC8CD9C-38D6-42DC-8933-922135ECAA67}" type="datetimeFigureOut">
               <a:rPr lang="da-DK" smtClean="0"/>
-              <a:t>17-08-2020</a:t>
+              <a:t>18-08-2020</a:t>
             </a:fld>
             <a:endParaRPr lang="da-DK"/>
           </a:p>
@@ -1182,7 +1182,7 @@
           <a:p>
             <a:fld id="{0EC8CD9C-38D6-42DC-8933-922135ECAA67}" type="datetimeFigureOut">
               <a:rPr lang="da-DK" smtClean="0"/>
-              <a:t>17-08-2020</a:t>
+              <a:t>18-08-2020</a:t>
             </a:fld>
             <a:endParaRPr lang="da-DK"/>
           </a:p>
@@ -1380,7 +1380,7 @@
           <a:p>
             <a:fld id="{0EC8CD9C-38D6-42DC-8933-922135ECAA67}" type="datetimeFigureOut">
               <a:rPr lang="da-DK" smtClean="0"/>
-              <a:t>17-08-2020</a:t>
+              <a:t>18-08-2020</a:t>
             </a:fld>
             <a:endParaRPr lang="da-DK"/>
           </a:p>
@@ -1655,7 +1655,7 @@
           <a:p>
             <a:fld id="{0EC8CD9C-38D6-42DC-8933-922135ECAA67}" type="datetimeFigureOut">
               <a:rPr lang="da-DK" smtClean="0"/>
-              <a:t>17-08-2020</a:t>
+              <a:t>18-08-2020</a:t>
             </a:fld>
             <a:endParaRPr lang="da-DK"/>
           </a:p>
@@ -1920,7 +1920,7 @@
           <a:p>
             <a:fld id="{0EC8CD9C-38D6-42DC-8933-922135ECAA67}" type="datetimeFigureOut">
               <a:rPr lang="da-DK" smtClean="0"/>
-              <a:t>17-08-2020</a:t>
+              <a:t>18-08-2020</a:t>
             </a:fld>
             <a:endParaRPr lang="da-DK"/>
           </a:p>
@@ -2332,7 +2332,7 @@
           <a:p>
             <a:fld id="{0EC8CD9C-38D6-42DC-8933-922135ECAA67}" type="datetimeFigureOut">
               <a:rPr lang="da-DK" smtClean="0"/>
-              <a:t>17-08-2020</a:t>
+              <a:t>18-08-2020</a:t>
             </a:fld>
             <a:endParaRPr lang="da-DK"/>
           </a:p>
@@ -2473,7 +2473,7 @@
           <a:p>
             <a:fld id="{0EC8CD9C-38D6-42DC-8933-922135ECAA67}" type="datetimeFigureOut">
               <a:rPr lang="da-DK" smtClean="0"/>
-              <a:t>17-08-2020</a:t>
+              <a:t>18-08-2020</a:t>
             </a:fld>
             <a:endParaRPr lang="da-DK"/>
           </a:p>
@@ -2586,7 +2586,7 @@
           <a:p>
             <a:fld id="{0EC8CD9C-38D6-42DC-8933-922135ECAA67}" type="datetimeFigureOut">
               <a:rPr lang="da-DK" smtClean="0"/>
-              <a:t>17-08-2020</a:t>
+              <a:t>18-08-2020</a:t>
             </a:fld>
             <a:endParaRPr lang="da-DK"/>
           </a:p>
@@ -2897,7 +2897,7 @@
           <a:p>
             <a:fld id="{0EC8CD9C-38D6-42DC-8933-922135ECAA67}" type="datetimeFigureOut">
               <a:rPr lang="da-DK" smtClean="0"/>
-              <a:t>17-08-2020</a:t>
+              <a:t>18-08-2020</a:t>
             </a:fld>
             <a:endParaRPr lang="da-DK"/>
           </a:p>
@@ -3185,7 +3185,7 @@
           <a:p>
             <a:fld id="{0EC8CD9C-38D6-42DC-8933-922135ECAA67}" type="datetimeFigureOut">
               <a:rPr lang="da-DK" smtClean="0"/>
-              <a:t>17-08-2020</a:t>
+              <a:t>18-08-2020</a:t>
             </a:fld>
             <a:endParaRPr lang="da-DK"/>
           </a:p>
@@ -3426,7 +3426,7 @@
           <a:p>
             <a:fld id="{0EC8CD9C-38D6-42DC-8933-922135ECAA67}" type="datetimeFigureOut">
               <a:rPr lang="da-DK" smtClean="0"/>
-              <a:t>17-08-2020</a:t>
+              <a:t>18-08-2020</a:t>
             </a:fld>
             <a:endParaRPr lang="da-DK"/>
           </a:p>
@@ -4594,6 +4594,264 @@
           </a:prstGeom>
         </p:spPr>
       </p:pic>
+      <p:sp>
+        <p:nvSpPr>
+          <p:cNvPr id="4" name="Tekstfelt 3">
+            <a:extLst>
+              <a:ext uri="{FF2B5EF4-FFF2-40B4-BE49-F238E27FC236}">
+                <a16:creationId xmlns:a16="http://schemas.microsoft.com/office/drawing/2014/main" id="{F337C6AC-66E4-41B5-AB3E-041F84D800AF}"/>
+              </a:ext>
+            </a:extLst>
+          </p:cNvPr>
+          <p:cNvSpPr txBox="1"/>
+          <p:nvPr/>
+        </p:nvSpPr>
+        <p:spPr>
+          <a:xfrm>
+            <a:off x="8235815" y="558928"/>
+            <a:ext cx="1884106" cy="369332"/>
+          </a:xfrm>
+          <a:prstGeom prst="rect">
+            <a:avLst/>
+          </a:prstGeom>
+          <a:noFill/>
+        </p:spPr>
+        <p:txBody>
+          <a:bodyPr wrap="none" rtlCol="0">
+            <a:spAutoFit/>
+          </a:bodyPr>
+          <a:lstStyle>
+            <a:defPPr>
+              <a:defRPr lang="da-DK"/>
+            </a:defPPr>
+            <a:lvl1pPr marL="0" algn="l" defTabSz="914400" rtl="0" eaLnBrk="1" latinLnBrk="0" hangingPunct="1">
+              <a:defRPr sz="1800" kern="1200">
+                <a:solidFill>
+                  <a:schemeClr val="tx1"/>
+                </a:solidFill>
+                <a:latin typeface="+mn-lt"/>
+                <a:ea typeface="+mn-ea"/>
+                <a:cs typeface="+mn-cs"/>
+              </a:defRPr>
+            </a:lvl1pPr>
+            <a:lvl2pPr marL="457200" algn="l" defTabSz="914400" rtl="0" eaLnBrk="1" latinLnBrk="0" hangingPunct="1">
+              <a:defRPr sz="1800" kern="1200">
+                <a:solidFill>
+                  <a:schemeClr val="tx1"/>
+                </a:solidFill>
+                <a:latin typeface="+mn-lt"/>
+                <a:ea typeface="+mn-ea"/>
+                <a:cs typeface="+mn-cs"/>
+              </a:defRPr>
+            </a:lvl2pPr>
+            <a:lvl3pPr marL="914400" algn="l" defTabSz="914400" rtl="0" eaLnBrk="1" latinLnBrk="0" hangingPunct="1">
+              <a:defRPr sz="1800" kern="1200">
+                <a:solidFill>
+                  <a:schemeClr val="tx1"/>
+                </a:solidFill>
+                <a:latin typeface="+mn-lt"/>
+                <a:ea typeface="+mn-ea"/>
+                <a:cs typeface="+mn-cs"/>
+              </a:defRPr>
+            </a:lvl3pPr>
+            <a:lvl4pPr marL="1371600" algn="l" defTabSz="914400" rtl="0" eaLnBrk="1" latinLnBrk="0" hangingPunct="1">
+              <a:defRPr sz="1800" kern="1200">
+                <a:solidFill>
+                  <a:schemeClr val="tx1"/>
+                </a:solidFill>
+                <a:latin typeface="+mn-lt"/>
+                <a:ea typeface="+mn-ea"/>
+                <a:cs typeface="+mn-cs"/>
+              </a:defRPr>
+            </a:lvl4pPr>
+            <a:lvl5pPr marL="1828800" algn="l" defTabSz="914400" rtl="0" eaLnBrk="1" latinLnBrk="0" hangingPunct="1">
+              <a:defRPr sz="1800" kern="1200">
+                <a:solidFill>
+                  <a:schemeClr val="tx1"/>
+                </a:solidFill>
+                <a:latin typeface="+mn-lt"/>
+                <a:ea typeface="+mn-ea"/>
+                <a:cs typeface="+mn-cs"/>
+              </a:defRPr>
+            </a:lvl5pPr>
+            <a:lvl6pPr marL="2286000" algn="l" defTabSz="914400" rtl="0" eaLnBrk="1" latinLnBrk="0" hangingPunct="1">
+              <a:defRPr sz="1800" kern="1200">
+                <a:solidFill>
+                  <a:schemeClr val="tx1"/>
+                </a:solidFill>
+                <a:latin typeface="+mn-lt"/>
+                <a:ea typeface="+mn-ea"/>
+                <a:cs typeface="+mn-cs"/>
+              </a:defRPr>
+            </a:lvl6pPr>
+            <a:lvl7pPr marL="2743200" algn="l" defTabSz="914400" rtl="0" eaLnBrk="1" latinLnBrk="0" hangingPunct="1">
+              <a:defRPr sz="1800" kern="1200">
+                <a:solidFill>
+                  <a:schemeClr val="tx1"/>
+                </a:solidFill>
+                <a:latin typeface="+mn-lt"/>
+                <a:ea typeface="+mn-ea"/>
+                <a:cs typeface="+mn-cs"/>
+              </a:defRPr>
+            </a:lvl7pPr>
+            <a:lvl8pPr marL="3200400" algn="l" defTabSz="914400" rtl="0" eaLnBrk="1" latinLnBrk="0" hangingPunct="1">
+              <a:defRPr sz="1800" kern="1200">
+                <a:solidFill>
+                  <a:schemeClr val="tx1"/>
+                </a:solidFill>
+                <a:latin typeface="+mn-lt"/>
+                <a:ea typeface="+mn-ea"/>
+                <a:cs typeface="+mn-cs"/>
+              </a:defRPr>
+            </a:lvl8pPr>
+            <a:lvl9pPr marL="3657600" algn="l" defTabSz="914400" rtl="0" eaLnBrk="1" latinLnBrk="0" hangingPunct="1">
+              <a:defRPr sz="1800" kern="1200">
+                <a:solidFill>
+                  <a:schemeClr val="tx1"/>
+                </a:solidFill>
+                <a:latin typeface="+mn-lt"/>
+                <a:ea typeface="+mn-ea"/>
+                <a:cs typeface="+mn-cs"/>
+              </a:defRPr>
+            </a:lvl9pPr>
+          </a:lstStyle>
+          <a:p>
+            <a:r>
+              <a:rPr lang="da-DK" dirty="0"/>
+              <a:t>Andreas Blaabjerg</a:t>
+            </a:r>
+          </a:p>
+        </p:txBody>
+      </p:sp>
+      <p:sp>
+        <p:nvSpPr>
+          <p:cNvPr id="5" name="Tekstfelt 4">
+            <a:extLst>
+              <a:ext uri="{FF2B5EF4-FFF2-40B4-BE49-F238E27FC236}">
+                <a16:creationId xmlns:a16="http://schemas.microsoft.com/office/drawing/2014/main" id="{3EB31409-35DB-41C2-A103-44F358990E6E}"/>
+              </a:ext>
+            </a:extLst>
+          </p:cNvPr>
+          <p:cNvSpPr txBox="1"/>
+          <p:nvPr/>
+        </p:nvSpPr>
+        <p:spPr>
+          <a:xfrm>
+            <a:off x="9177868" y="956658"/>
+            <a:ext cx="1237839" cy="369332"/>
+          </a:xfrm>
+          <a:prstGeom prst="rect">
+            <a:avLst/>
+          </a:prstGeom>
+          <a:noFill/>
+        </p:spPr>
+        <p:txBody>
+          <a:bodyPr wrap="none" rtlCol="0">
+            <a:spAutoFit/>
+          </a:bodyPr>
+          <a:lstStyle>
+            <a:defPPr>
+              <a:defRPr lang="da-DK"/>
+            </a:defPPr>
+            <a:lvl1pPr marL="0" algn="l" defTabSz="914400" rtl="0" eaLnBrk="1" latinLnBrk="0" hangingPunct="1">
+              <a:defRPr sz="1800" kern="1200">
+                <a:solidFill>
+                  <a:schemeClr val="tx1"/>
+                </a:solidFill>
+                <a:latin typeface="+mn-lt"/>
+                <a:ea typeface="+mn-ea"/>
+                <a:cs typeface="+mn-cs"/>
+              </a:defRPr>
+            </a:lvl1pPr>
+            <a:lvl2pPr marL="457200" algn="l" defTabSz="914400" rtl="0" eaLnBrk="1" latinLnBrk="0" hangingPunct="1">
+              <a:defRPr sz="1800" kern="1200">
+                <a:solidFill>
+                  <a:schemeClr val="tx1"/>
+                </a:solidFill>
+                <a:latin typeface="+mn-lt"/>
+                <a:ea typeface="+mn-ea"/>
+                <a:cs typeface="+mn-cs"/>
+              </a:defRPr>
+            </a:lvl2pPr>
+            <a:lvl3pPr marL="914400" algn="l" defTabSz="914400" rtl="0" eaLnBrk="1" latinLnBrk="0" hangingPunct="1">
+              <a:defRPr sz="1800" kern="1200">
+                <a:solidFill>
+                  <a:schemeClr val="tx1"/>
+                </a:solidFill>
+                <a:latin typeface="+mn-lt"/>
+                <a:ea typeface="+mn-ea"/>
+                <a:cs typeface="+mn-cs"/>
+              </a:defRPr>
+            </a:lvl3pPr>
+            <a:lvl4pPr marL="1371600" algn="l" defTabSz="914400" rtl="0" eaLnBrk="1" latinLnBrk="0" hangingPunct="1">
+              <a:defRPr sz="1800" kern="1200">
+                <a:solidFill>
+                  <a:schemeClr val="tx1"/>
+                </a:solidFill>
+                <a:latin typeface="+mn-lt"/>
+                <a:ea typeface="+mn-ea"/>
+                <a:cs typeface="+mn-cs"/>
+              </a:defRPr>
+            </a:lvl4pPr>
+            <a:lvl5pPr marL="1828800" algn="l" defTabSz="914400" rtl="0" eaLnBrk="1" latinLnBrk="0" hangingPunct="1">
+              <a:defRPr sz="1800" kern="1200">
+                <a:solidFill>
+                  <a:schemeClr val="tx1"/>
+                </a:solidFill>
+                <a:latin typeface="+mn-lt"/>
+                <a:ea typeface="+mn-ea"/>
+                <a:cs typeface="+mn-cs"/>
+              </a:defRPr>
+            </a:lvl5pPr>
+            <a:lvl6pPr marL="2286000" algn="l" defTabSz="914400" rtl="0" eaLnBrk="1" latinLnBrk="0" hangingPunct="1">
+              <a:defRPr sz="1800" kern="1200">
+                <a:solidFill>
+                  <a:schemeClr val="tx1"/>
+                </a:solidFill>
+                <a:latin typeface="+mn-lt"/>
+                <a:ea typeface="+mn-ea"/>
+                <a:cs typeface="+mn-cs"/>
+              </a:defRPr>
+            </a:lvl6pPr>
+            <a:lvl7pPr marL="2743200" algn="l" defTabSz="914400" rtl="0" eaLnBrk="1" latinLnBrk="0" hangingPunct="1">
+              <a:defRPr sz="1800" kern="1200">
+                <a:solidFill>
+                  <a:schemeClr val="tx1"/>
+                </a:solidFill>
+                <a:latin typeface="+mn-lt"/>
+                <a:ea typeface="+mn-ea"/>
+                <a:cs typeface="+mn-cs"/>
+              </a:defRPr>
+            </a:lvl7pPr>
+            <a:lvl8pPr marL="3200400" algn="l" defTabSz="914400" rtl="0" eaLnBrk="1" latinLnBrk="0" hangingPunct="1">
+              <a:defRPr sz="1800" kern="1200">
+                <a:solidFill>
+                  <a:schemeClr val="tx1"/>
+                </a:solidFill>
+                <a:latin typeface="+mn-lt"/>
+                <a:ea typeface="+mn-ea"/>
+                <a:cs typeface="+mn-cs"/>
+              </a:defRPr>
+            </a:lvl8pPr>
+            <a:lvl9pPr marL="3657600" algn="l" defTabSz="914400" rtl="0" eaLnBrk="1" latinLnBrk="0" hangingPunct="1">
+              <a:defRPr sz="1800" kern="1200">
+                <a:solidFill>
+                  <a:schemeClr val="tx1"/>
+                </a:solidFill>
+                <a:latin typeface="+mn-lt"/>
+                <a:ea typeface="+mn-ea"/>
+                <a:cs typeface="+mn-cs"/>
+              </a:defRPr>
+            </a:lvl9pPr>
+          </a:lstStyle>
+          <a:p>
+            <a:r>
+              <a:rPr lang="da-DK" dirty="0"/>
+              <a:t>201510924</a:t>
+            </a:r>
+          </a:p>
+        </p:txBody>
+      </p:sp>
     </p:spTree>
     <p:extLst>
       <p:ext uri="{BB962C8B-B14F-4D97-AF65-F5344CB8AC3E}">
